--- a/ppt 16-9/1234.生命属于你.pptx
+++ b/ppt 16-9/1234.生命属于你.pptx
@@ -5,7 +5,7 @@
     <p:sldMasterId id="2147483648" r:id="rId1"/>
   </p:sldMasterIdLst>
   <p:sldIdLst>
-    <p:sldId id="771" r:id="rId2"/>
+    <p:sldId id="773" r:id="rId2"/>
   </p:sldIdLst>
   <p:sldSz cx="12192000" cy="6858000"/>
   <p:notesSz cx="6858000" cy="9144000"/>
@@ -129,7 +129,7 @@
           <p:cNvPr id="2" name="标题 1">
             <a:extLst>
               <a:ext uri="{FF2B5EF4-FFF2-40B4-BE49-F238E27FC236}">
-                <a16:creationId xmlns:a16="http://schemas.microsoft.com/office/drawing/2014/main" id="{E7F5360D-6BB9-FC50-D914-58AF6F97337D}"/>
+                <a16:creationId xmlns:a16="http://schemas.microsoft.com/office/drawing/2014/main" id="{31D350A8-9955-587E-2442-6CA8565D3683}"/>
               </a:ext>
             </a:extLst>
           </p:cNvPr>
@@ -166,7 +166,7 @@
           <p:cNvPr id="3" name="副标题 2">
             <a:extLst>
               <a:ext uri="{FF2B5EF4-FFF2-40B4-BE49-F238E27FC236}">
-                <a16:creationId xmlns:a16="http://schemas.microsoft.com/office/drawing/2014/main" id="{B3BA1D00-F75E-3B0F-75C5-4CC3657E81EF}"/>
+                <a16:creationId xmlns:a16="http://schemas.microsoft.com/office/drawing/2014/main" id="{01DE00FB-C648-7161-68F9-7C4C97B5E190}"/>
               </a:ext>
             </a:extLst>
           </p:cNvPr>
@@ -236,7 +236,7 @@
           <p:cNvPr id="4" name="日期占位符 3">
             <a:extLst>
               <a:ext uri="{FF2B5EF4-FFF2-40B4-BE49-F238E27FC236}">
-                <a16:creationId xmlns:a16="http://schemas.microsoft.com/office/drawing/2014/main" id="{CA55D7E5-1C73-C35E-F67A-600568AF84D8}"/>
+                <a16:creationId xmlns:a16="http://schemas.microsoft.com/office/drawing/2014/main" id="{FEB9EE88-5FB5-5465-D7A1-3A8582796621}"/>
               </a:ext>
             </a:extLst>
           </p:cNvPr>
@@ -252,7 +252,7 @@
           <a:bodyPr/>
           <a:lstStyle/>
           <a:p>
-            <a:fld id="{71BC3E1B-FE5F-443B-88DD-92EDC687FE96}" type="datetimeFigureOut">
+            <a:fld id="{DFDBF2D6-A10D-4E8E-B6F2-1B02B53543F7}" type="datetimeFigureOut">
               <a:rPr lang="zh-CN" altLang="en-US" smtClean="0"/>
               <a:t>2024/3/10</a:t>
             </a:fld>
@@ -265,7 +265,7 @@
           <p:cNvPr id="5" name="页脚占位符 4">
             <a:extLst>
               <a:ext uri="{FF2B5EF4-FFF2-40B4-BE49-F238E27FC236}">
-                <a16:creationId xmlns:a16="http://schemas.microsoft.com/office/drawing/2014/main" id="{3146E4F1-18E9-26B0-41B8-4B20C0554E85}"/>
+                <a16:creationId xmlns:a16="http://schemas.microsoft.com/office/drawing/2014/main" id="{F003171A-9AD1-EA07-1F0D-05658970A598}"/>
               </a:ext>
             </a:extLst>
           </p:cNvPr>
@@ -290,7 +290,7 @@
           <p:cNvPr id="6" name="灯片编号占位符 5">
             <a:extLst>
               <a:ext uri="{FF2B5EF4-FFF2-40B4-BE49-F238E27FC236}">
-                <a16:creationId xmlns:a16="http://schemas.microsoft.com/office/drawing/2014/main" id="{A997120F-CDC3-8F6D-7E4C-C769EC295024}"/>
+                <a16:creationId xmlns:a16="http://schemas.microsoft.com/office/drawing/2014/main" id="{3021B10C-D309-A50E-011F-17714E456757}"/>
               </a:ext>
             </a:extLst>
           </p:cNvPr>
@@ -306,7 +306,7 @@
           <a:bodyPr/>
           <a:lstStyle/>
           <a:p>
-            <a:fld id="{A0C950BE-29B1-48C5-9A96-EB0EF73289CB}" type="slidenum">
+            <a:fld id="{E78F9990-2320-407F-AC9C-D9B52858AF66}" type="slidenum">
               <a:rPr lang="zh-CN" altLang="en-US" smtClean="0"/>
               <a:t>‹#›</a:t>
             </a:fld>
@@ -317,7 +317,7 @@
     </p:spTree>
     <p:extLst>
       <p:ext uri="{BB962C8B-B14F-4D97-AF65-F5344CB8AC3E}">
-        <p14:creationId xmlns:p14="http://schemas.microsoft.com/office/powerpoint/2010/main" val="4196084840"/>
+        <p14:creationId xmlns:p14="http://schemas.microsoft.com/office/powerpoint/2010/main" val="3769387756"/>
       </p:ext>
     </p:extLst>
   </p:cSld>
@@ -349,7 +349,7 @@
           <p:cNvPr id="2" name="标题 1">
             <a:extLst>
               <a:ext uri="{FF2B5EF4-FFF2-40B4-BE49-F238E27FC236}">
-                <a16:creationId xmlns:a16="http://schemas.microsoft.com/office/drawing/2014/main" id="{8F11664A-2157-2A5F-5B34-0788181ACA73}"/>
+                <a16:creationId xmlns:a16="http://schemas.microsoft.com/office/drawing/2014/main" id="{11A8E972-2495-2120-1835-B8F07AD1C8A2}"/>
               </a:ext>
             </a:extLst>
           </p:cNvPr>
@@ -377,7 +377,7 @@
           <p:cNvPr id="3" name="竖排文字占位符 2">
             <a:extLst>
               <a:ext uri="{FF2B5EF4-FFF2-40B4-BE49-F238E27FC236}">
-                <a16:creationId xmlns:a16="http://schemas.microsoft.com/office/drawing/2014/main" id="{DBDAB5C3-BF9F-5129-036B-3A8F4462A4B2}"/>
+                <a16:creationId xmlns:a16="http://schemas.microsoft.com/office/drawing/2014/main" id="{17B2AE08-1241-9C70-FF69-C71C6FB699B9}"/>
               </a:ext>
             </a:extLst>
           </p:cNvPr>
@@ -434,7 +434,7 @@
           <p:cNvPr id="4" name="日期占位符 3">
             <a:extLst>
               <a:ext uri="{FF2B5EF4-FFF2-40B4-BE49-F238E27FC236}">
-                <a16:creationId xmlns:a16="http://schemas.microsoft.com/office/drawing/2014/main" id="{59CD26DF-1571-9142-8800-5362C9C0B210}"/>
+                <a16:creationId xmlns:a16="http://schemas.microsoft.com/office/drawing/2014/main" id="{DB854380-418E-0F30-AA67-B3CC40DB7F9B}"/>
               </a:ext>
             </a:extLst>
           </p:cNvPr>
@@ -450,7 +450,7 @@
           <a:bodyPr/>
           <a:lstStyle/>
           <a:p>
-            <a:fld id="{71BC3E1B-FE5F-443B-88DD-92EDC687FE96}" type="datetimeFigureOut">
+            <a:fld id="{DFDBF2D6-A10D-4E8E-B6F2-1B02B53543F7}" type="datetimeFigureOut">
               <a:rPr lang="zh-CN" altLang="en-US" smtClean="0"/>
               <a:t>2024/3/10</a:t>
             </a:fld>
@@ -463,7 +463,7 @@
           <p:cNvPr id="5" name="页脚占位符 4">
             <a:extLst>
               <a:ext uri="{FF2B5EF4-FFF2-40B4-BE49-F238E27FC236}">
-                <a16:creationId xmlns:a16="http://schemas.microsoft.com/office/drawing/2014/main" id="{D6CEAB13-D98C-AF18-C98B-66020D988902}"/>
+                <a16:creationId xmlns:a16="http://schemas.microsoft.com/office/drawing/2014/main" id="{0023E13A-095D-4317-9C13-57B48DEF4CCA}"/>
               </a:ext>
             </a:extLst>
           </p:cNvPr>
@@ -488,7 +488,7 @@
           <p:cNvPr id="6" name="灯片编号占位符 5">
             <a:extLst>
               <a:ext uri="{FF2B5EF4-FFF2-40B4-BE49-F238E27FC236}">
-                <a16:creationId xmlns:a16="http://schemas.microsoft.com/office/drawing/2014/main" id="{7ACBE2EC-B15D-3253-D7A0-5E7D92BFD7AC}"/>
+                <a16:creationId xmlns:a16="http://schemas.microsoft.com/office/drawing/2014/main" id="{64AE0230-2ED3-9101-D131-69E135ADDECE}"/>
               </a:ext>
             </a:extLst>
           </p:cNvPr>
@@ -504,7 +504,7 @@
           <a:bodyPr/>
           <a:lstStyle/>
           <a:p>
-            <a:fld id="{A0C950BE-29B1-48C5-9A96-EB0EF73289CB}" type="slidenum">
+            <a:fld id="{E78F9990-2320-407F-AC9C-D9B52858AF66}" type="slidenum">
               <a:rPr lang="zh-CN" altLang="en-US" smtClean="0"/>
               <a:t>‹#›</a:t>
             </a:fld>
@@ -515,7 +515,7 @@
     </p:spTree>
     <p:extLst>
       <p:ext uri="{BB962C8B-B14F-4D97-AF65-F5344CB8AC3E}">
-        <p14:creationId xmlns:p14="http://schemas.microsoft.com/office/powerpoint/2010/main" val="3012039639"/>
+        <p14:creationId xmlns:p14="http://schemas.microsoft.com/office/powerpoint/2010/main" val="203384569"/>
       </p:ext>
     </p:extLst>
   </p:cSld>
@@ -547,7 +547,7 @@
           <p:cNvPr id="2" name="竖排标题 1">
             <a:extLst>
               <a:ext uri="{FF2B5EF4-FFF2-40B4-BE49-F238E27FC236}">
-                <a16:creationId xmlns:a16="http://schemas.microsoft.com/office/drawing/2014/main" id="{927E1F42-09F2-E08F-C1E9-817D69C64A25}"/>
+                <a16:creationId xmlns:a16="http://schemas.microsoft.com/office/drawing/2014/main" id="{CA0FC6E9-806E-F588-99CF-0C419B52CA1D}"/>
               </a:ext>
             </a:extLst>
           </p:cNvPr>
@@ -580,7 +580,7 @@
           <p:cNvPr id="3" name="竖排文字占位符 2">
             <a:extLst>
               <a:ext uri="{FF2B5EF4-FFF2-40B4-BE49-F238E27FC236}">
-                <a16:creationId xmlns:a16="http://schemas.microsoft.com/office/drawing/2014/main" id="{2A09596C-1E2C-686E-5B48-700B12431C1C}"/>
+                <a16:creationId xmlns:a16="http://schemas.microsoft.com/office/drawing/2014/main" id="{0B630744-EBE9-2A71-AE16-1A074288AE29}"/>
               </a:ext>
             </a:extLst>
           </p:cNvPr>
@@ -642,7 +642,7 @@
           <p:cNvPr id="4" name="日期占位符 3">
             <a:extLst>
               <a:ext uri="{FF2B5EF4-FFF2-40B4-BE49-F238E27FC236}">
-                <a16:creationId xmlns:a16="http://schemas.microsoft.com/office/drawing/2014/main" id="{9AED5500-7B19-28DE-C09F-DBC356A79319}"/>
+                <a16:creationId xmlns:a16="http://schemas.microsoft.com/office/drawing/2014/main" id="{34473DA2-8903-1EE4-1149-4475682FC383}"/>
               </a:ext>
             </a:extLst>
           </p:cNvPr>
@@ -658,7 +658,7 @@
           <a:bodyPr/>
           <a:lstStyle/>
           <a:p>
-            <a:fld id="{71BC3E1B-FE5F-443B-88DD-92EDC687FE96}" type="datetimeFigureOut">
+            <a:fld id="{DFDBF2D6-A10D-4E8E-B6F2-1B02B53543F7}" type="datetimeFigureOut">
               <a:rPr lang="zh-CN" altLang="en-US" smtClean="0"/>
               <a:t>2024/3/10</a:t>
             </a:fld>
@@ -671,7 +671,7 @@
           <p:cNvPr id="5" name="页脚占位符 4">
             <a:extLst>
               <a:ext uri="{FF2B5EF4-FFF2-40B4-BE49-F238E27FC236}">
-                <a16:creationId xmlns:a16="http://schemas.microsoft.com/office/drawing/2014/main" id="{2824DB78-9B91-EF4F-67F2-3EC9D3435155}"/>
+                <a16:creationId xmlns:a16="http://schemas.microsoft.com/office/drawing/2014/main" id="{66BB11C2-0EF2-AFDE-5ABF-7034CA60DCA7}"/>
               </a:ext>
             </a:extLst>
           </p:cNvPr>
@@ -696,7 +696,7 @@
           <p:cNvPr id="6" name="灯片编号占位符 5">
             <a:extLst>
               <a:ext uri="{FF2B5EF4-FFF2-40B4-BE49-F238E27FC236}">
-                <a16:creationId xmlns:a16="http://schemas.microsoft.com/office/drawing/2014/main" id="{79E13366-F5C0-F9C8-C3AA-2331D68B36F9}"/>
+                <a16:creationId xmlns:a16="http://schemas.microsoft.com/office/drawing/2014/main" id="{FA7C8691-D672-46E8-36B4-9305C45AA82C}"/>
               </a:ext>
             </a:extLst>
           </p:cNvPr>
@@ -712,7 +712,7 @@
           <a:bodyPr/>
           <a:lstStyle/>
           <a:p>
-            <a:fld id="{A0C950BE-29B1-48C5-9A96-EB0EF73289CB}" type="slidenum">
+            <a:fld id="{E78F9990-2320-407F-AC9C-D9B52858AF66}" type="slidenum">
               <a:rPr lang="zh-CN" altLang="en-US" smtClean="0"/>
               <a:t>‹#›</a:t>
             </a:fld>
@@ -723,7 +723,7 @@
     </p:spTree>
     <p:extLst>
       <p:ext uri="{BB962C8B-B14F-4D97-AF65-F5344CB8AC3E}">
-        <p14:creationId xmlns:p14="http://schemas.microsoft.com/office/powerpoint/2010/main" val="1471468241"/>
+        <p14:creationId xmlns:p14="http://schemas.microsoft.com/office/powerpoint/2010/main" val="372127159"/>
       </p:ext>
     </p:extLst>
   </p:cSld>
@@ -755,7 +755,7 @@
           <p:cNvPr id="2" name="标题 1">
             <a:extLst>
               <a:ext uri="{FF2B5EF4-FFF2-40B4-BE49-F238E27FC236}">
-                <a16:creationId xmlns:a16="http://schemas.microsoft.com/office/drawing/2014/main" id="{E91CC938-3FCB-273F-646F-13AB529697F9}"/>
+                <a16:creationId xmlns:a16="http://schemas.microsoft.com/office/drawing/2014/main" id="{E5DB88D4-A6D2-0B0F-54A2-03314DBF0812}"/>
               </a:ext>
             </a:extLst>
           </p:cNvPr>
@@ -783,7 +783,7 @@
           <p:cNvPr id="3" name="内容占位符 2">
             <a:extLst>
               <a:ext uri="{FF2B5EF4-FFF2-40B4-BE49-F238E27FC236}">
-                <a16:creationId xmlns:a16="http://schemas.microsoft.com/office/drawing/2014/main" id="{F10D5306-5262-F7A3-9D19-A137CB5D8E10}"/>
+                <a16:creationId xmlns:a16="http://schemas.microsoft.com/office/drawing/2014/main" id="{A2F4089D-8739-B654-952B-CF7035CFDEA8}"/>
               </a:ext>
             </a:extLst>
           </p:cNvPr>
@@ -840,7 +840,7 @@
           <p:cNvPr id="4" name="日期占位符 3">
             <a:extLst>
               <a:ext uri="{FF2B5EF4-FFF2-40B4-BE49-F238E27FC236}">
-                <a16:creationId xmlns:a16="http://schemas.microsoft.com/office/drawing/2014/main" id="{AB67228C-76E3-07F9-68C5-0F9567BE2254}"/>
+                <a16:creationId xmlns:a16="http://schemas.microsoft.com/office/drawing/2014/main" id="{E8DD94AA-DF1B-1DC6-6C81-BDF87D3D7C75}"/>
               </a:ext>
             </a:extLst>
           </p:cNvPr>
@@ -856,7 +856,7 @@
           <a:bodyPr/>
           <a:lstStyle/>
           <a:p>
-            <a:fld id="{71BC3E1B-FE5F-443B-88DD-92EDC687FE96}" type="datetimeFigureOut">
+            <a:fld id="{DFDBF2D6-A10D-4E8E-B6F2-1B02B53543F7}" type="datetimeFigureOut">
               <a:rPr lang="zh-CN" altLang="en-US" smtClean="0"/>
               <a:t>2024/3/10</a:t>
             </a:fld>
@@ -869,7 +869,7 @@
           <p:cNvPr id="5" name="页脚占位符 4">
             <a:extLst>
               <a:ext uri="{FF2B5EF4-FFF2-40B4-BE49-F238E27FC236}">
-                <a16:creationId xmlns:a16="http://schemas.microsoft.com/office/drawing/2014/main" id="{63F0E6A3-95FF-CB9F-8D4A-BB9F2934FBB0}"/>
+                <a16:creationId xmlns:a16="http://schemas.microsoft.com/office/drawing/2014/main" id="{939A4483-3D1B-26C9-8EE7-23DB294D3B89}"/>
               </a:ext>
             </a:extLst>
           </p:cNvPr>
@@ -894,7 +894,7 @@
           <p:cNvPr id="6" name="灯片编号占位符 5">
             <a:extLst>
               <a:ext uri="{FF2B5EF4-FFF2-40B4-BE49-F238E27FC236}">
-                <a16:creationId xmlns:a16="http://schemas.microsoft.com/office/drawing/2014/main" id="{3F84C882-DBE0-B1D4-D187-7685DE895E9E}"/>
+                <a16:creationId xmlns:a16="http://schemas.microsoft.com/office/drawing/2014/main" id="{5CAC56CD-0C97-5C2B-FB2F-5611FEFABC5A}"/>
               </a:ext>
             </a:extLst>
           </p:cNvPr>
@@ -910,7 +910,7 @@
           <a:bodyPr/>
           <a:lstStyle/>
           <a:p>
-            <a:fld id="{A0C950BE-29B1-48C5-9A96-EB0EF73289CB}" type="slidenum">
+            <a:fld id="{E78F9990-2320-407F-AC9C-D9B52858AF66}" type="slidenum">
               <a:rPr lang="zh-CN" altLang="en-US" smtClean="0"/>
               <a:t>‹#›</a:t>
             </a:fld>
@@ -921,7 +921,7 @@
     </p:spTree>
     <p:extLst>
       <p:ext uri="{BB962C8B-B14F-4D97-AF65-F5344CB8AC3E}">
-        <p14:creationId xmlns:p14="http://schemas.microsoft.com/office/powerpoint/2010/main" val="1260786935"/>
+        <p14:creationId xmlns:p14="http://schemas.microsoft.com/office/powerpoint/2010/main" val="1000705440"/>
       </p:ext>
     </p:extLst>
   </p:cSld>
@@ -953,7 +953,7 @@
           <p:cNvPr id="2" name="标题 1">
             <a:extLst>
               <a:ext uri="{FF2B5EF4-FFF2-40B4-BE49-F238E27FC236}">
-                <a16:creationId xmlns:a16="http://schemas.microsoft.com/office/drawing/2014/main" id="{D634FE9C-907A-80BB-2291-3515B0E9A732}"/>
+                <a16:creationId xmlns:a16="http://schemas.microsoft.com/office/drawing/2014/main" id="{9695A173-DE32-98C1-DCDD-F3B5673A87E7}"/>
               </a:ext>
             </a:extLst>
           </p:cNvPr>
@@ -990,7 +990,7 @@
           <p:cNvPr id="3" name="文本占位符 2">
             <a:extLst>
               <a:ext uri="{FF2B5EF4-FFF2-40B4-BE49-F238E27FC236}">
-                <a16:creationId xmlns:a16="http://schemas.microsoft.com/office/drawing/2014/main" id="{4D4DAA70-692B-692B-ABB6-0E9D1D012C47}"/>
+                <a16:creationId xmlns:a16="http://schemas.microsoft.com/office/drawing/2014/main" id="{7F7913E3-9F3C-6192-1298-3B8F72DCA7EA}"/>
               </a:ext>
             </a:extLst>
           </p:cNvPr>
@@ -1115,7 +1115,7 @@
           <p:cNvPr id="4" name="日期占位符 3">
             <a:extLst>
               <a:ext uri="{FF2B5EF4-FFF2-40B4-BE49-F238E27FC236}">
-                <a16:creationId xmlns:a16="http://schemas.microsoft.com/office/drawing/2014/main" id="{BAB8D2C8-841B-E79E-36D4-CF475AA842C8}"/>
+                <a16:creationId xmlns:a16="http://schemas.microsoft.com/office/drawing/2014/main" id="{C0C38DF1-63E4-E25C-B8B0-AC0C9F81145E}"/>
               </a:ext>
             </a:extLst>
           </p:cNvPr>
@@ -1131,7 +1131,7 @@
           <a:bodyPr/>
           <a:lstStyle/>
           <a:p>
-            <a:fld id="{71BC3E1B-FE5F-443B-88DD-92EDC687FE96}" type="datetimeFigureOut">
+            <a:fld id="{DFDBF2D6-A10D-4E8E-B6F2-1B02B53543F7}" type="datetimeFigureOut">
               <a:rPr lang="zh-CN" altLang="en-US" smtClean="0"/>
               <a:t>2024/3/10</a:t>
             </a:fld>
@@ -1144,7 +1144,7 @@
           <p:cNvPr id="5" name="页脚占位符 4">
             <a:extLst>
               <a:ext uri="{FF2B5EF4-FFF2-40B4-BE49-F238E27FC236}">
-                <a16:creationId xmlns:a16="http://schemas.microsoft.com/office/drawing/2014/main" id="{F43D983B-B09C-A812-FDEB-81C3A9CBF0EE}"/>
+                <a16:creationId xmlns:a16="http://schemas.microsoft.com/office/drawing/2014/main" id="{1283E5B4-ECBE-439C-715F-69FE81284BC2}"/>
               </a:ext>
             </a:extLst>
           </p:cNvPr>
@@ -1169,7 +1169,7 @@
           <p:cNvPr id="6" name="灯片编号占位符 5">
             <a:extLst>
               <a:ext uri="{FF2B5EF4-FFF2-40B4-BE49-F238E27FC236}">
-                <a16:creationId xmlns:a16="http://schemas.microsoft.com/office/drawing/2014/main" id="{9F16A97B-4E4D-EF4B-CBF0-08E470C86281}"/>
+                <a16:creationId xmlns:a16="http://schemas.microsoft.com/office/drawing/2014/main" id="{467232DF-53A0-D74D-6030-9E22831EB6ED}"/>
               </a:ext>
             </a:extLst>
           </p:cNvPr>
@@ -1185,7 +1185,7 @@
           <a:bodyPr/>
           <a:lstStyle/>
           <a:p>
-            <a:fld id="{A0C950BE-29B1-48C5-9A96-EB0EF73289CB}" type="slidenum">
+            <a:fld id="{E78F9990-2320-407F-AC9C-D9B52858AF66}" type="slidenum">
               <a:rPr lang="zh-CN" altLang="en-US" smtClean="0"/>
               <a:t>‹#›</a:t>
             </a:fld>
@@ -1196,7 +1196,7 @@
     </p:spTree>
     <p:extLst>
       <p:ext uri="{BB962C8B-B14F-4D97-AF65-F5344CB8AC3E}">
-        <p14:creationId xmlns:p14="http://schemas.microsoft.com/office/powerpoint/2010/main" val="1887617085"/>
+        <p14:creationId xmlns:p14="http://schemas.microsoft.com/office/powerpoint/2010/main" val="2200237499"/>
       </p:ext>
     </p:extLst>
   </p:cSld>
@@ -1228,7 +1228,7 @@
           <p:cNvPr id="2" name="标题 1">
             <a:extLst>
               <a:ext uri="{FF2B5EF4-FFF2-40B4-BE49-F238E27FC236}">
-                <a16:creationId xmlns:a16="http://schemas.microsoft.com/office/drawing/2014/main" id="{E3F63FE6-B245-4B53-5E57-BB71C7179457}"/>
+                <a16:creationId xmlns:a16="http://schemas.microsoft.com/office/drawing/2014/main" id="{14D14056-D8EA-ED04-038E-37900CCB412A}"/>
               </a:ext>
             </a:extLst>
           </p:cNvPr>
@@ -1256,7 +1256,7 @@
           <p:cNvPr id="3" name="内容占位符 2">
             <a:extLst>
               <a:ext uri="{FF2B5EF4-FFF2-40B4-BE49-F238E27FC236}">
-                <a16:creationId xmlns:a16="http://schemas.microsoft.com/office/drawing/2014/main" id="{7EDD2D31-9A10-ACFB-BDF0-CC9718654439}"/>
+                <a16:creationId xmlns:a16="http://schemas.microsoft.com/office/drawing/2014/main" id="{67F52FFB-3815-08F4-FFDC-E5E9FC7A20ED}"/>
               </a:ext>
             </a:extLst>
           </p:cNvPr>
@@ -1318,7 +1318,7 @@
           <p:cNvPr id="4" name="内容占位符 3">
             <a:extLst>
               <a:ext uri="{FF2B5EF4-FFF2-40B4-BE49-F238E27FC236}">
-                <a16:creationId xmlns:a16="http://schemas.microsoft.com/office/drawing/2014/main" id="{CD88516F-74FB-4BF1-94B2-D0F83FA363CD}"/>
+                <a16:creationId xmlns:a16="http://schemas.microsoft.com/office/drawing/2014/main" id="{224FFC71-3263-ABF3-BF3C-AC2783E70045}"/>
               </a:ext>
             </a:extLst>
           </p:cNvPr>
@@ -1380,7 +1380,7 @@
           <p:cNvPr id="5" name="日期占位符 4">
             <a:extLst>
               <a:ext uri="{FF2B5EF4-FFF2-40B4-BE49-F238E27FC236}">
-                <a16:creationId xmlns:a16="http://schemas.microsoft.com/office/drawing/2014/main" id="{7527BBD5-0DF2-671F-425C-161B99DA2C1E}"/>
+                <a16:creationId xmlns:a16="http://schemas.microsoft.com/office/drawing/2014/main" id="{A000A9F7-A1F0-F33B-A697-5E7937BF8CD8}"/>
               </a:ext>
             </a:extLst>
           </p:cNvPr>
@@ -1396,7 +1396,7 @@
           <a:bodyPr/>
           <a:lstStyle/>
           <a:p>
-            <a:fld id="{71BC3E1B-FE5F-443B-88DD-92EDC687FE96}" type="datetimeFigureOut">
+            <a:fld id="{DFDBF2D6-A10D-4E8E-B6F2-1B02B53543F7}" type="datetimeFigureOut">
               <a:rPr lang="zh-CN" altLang="en-US" smtClean="0"/>
               <a:t>2024/3/10</a:t>
             </a:fld>
@@ -1409,7 +1409,7 @@
           <p:cNvPr id="6" name="页脚占位符 5">
             <a:extLst>
               <a:ext uri="{FF2B5EF4-FFF2-40B4-BE49-F238E27FC236}">
-                <a16:creationId xmlns:a16="http://schemas.microsoft.com/office/drawing/2014/main" id="{83FFF089-398F-0161-8651-F059D69E66F6}"/>
+                <a16:creationId xmlns:a16="http://schemas.microsoft.com/office/drawing/2014/main" id="{C26FE7CF-29FD-87A3-8FDC-92B60270223F}"/>
               </a:ext>
             </a:extLst>
           </p:cNvPr>
@@ -1434,7 +1434,7 @@
           <p:cNvPr id="7" name="灯片编号占位符 6">
             <a:extLst>
               <a:ext uri="{FF2B5EF4-FFF2-40B4-BE49-F238E27FC236}">
-                <a16:creationId xmlns:a16="http://schemas.microsoft.com/office/drawing/2014/main" id="{837837E9-1174-96CA-0272-A085C6ECDE18}"/>
+                <a16:creationId xmlns:a16="http://schemas.microsoft.com/office/drawing/2014/main" id="{5EAC1B6F-E891-CB7A-B7F5-751440A12F2E}"/>
               </a:ext>
             </a:extLst>
           </p:cNvPr>
@@ -1450,7 +1450,7 @@
           <a:bodyPr/>
           <a:lstStyle/>
           <a:p>
-            <a:fld id="{A0C950BE-29B1-48C5-9A96-EB0EF73289CB}" type="slidenum">
+            <a:fld id="{E78F9990-2320-407F-AC9C-D9B52858AF66}" type="slidenum">
               <a:rPr lang="zh-CN" altLang="en-US" smtClean="0"/>
               <a:t>‹#›</a:t>
             </a:fld>
@@ -1461,7 +1461,7 @@
     </p:spTree>
     <p:extLst>
       <p:ext uri="{BB962C8B-B14F-4D97-AF65-F5344CB8AC3E}">
-        <p14:creationId xmlns:p14="http://schemas.microsoft.com/office/powerpoint/2010/main" val="2285459688"/>
+        <p14:creationId xmlns:p14="http://schemas.microsoft.com/office/powerpoint/2010/main" val="242994567"/>
       </p:ext>
     </p:extLst>
   </p:cSld>
@@ -1493,7 +1493,7 @@
           <p:cNvPr id="2" name="标题 1">
             <a:extLst>
               <a:ext uri="{FF2B5EF4-FFF2-40B4-BE49-F238E27FC236}">
-                <a16:creationId xmlns:a16="http://schemas.microsoft.com/office/drawing/2014/main" id="{B4B8F75D-700E-2827-16AF-24E9B846FC5A}"/>
+                <a16:creationId xmlns:a16="http://schemas.microsoft.com/office/drawing/2014/main" id="{FAA0B13C-2AF7-5BD0-672E-E19A31A894E0}"/>
               </a:ext>
             </a:extLst>
           </p:cNvPr>
@@ -1526,7 +1526,7 @@
           <p:cNvPr id="3" name="文本占位符 2">
             <a:extLst>
               <a:ext uri="{FF2B5EF4-FFF2-40B4-BE49-F238E27FC236}">
-                <a16:creationId xmlns:a16="http://schemas.microsoft.com/office/drawing/2014/main" id="{45DC5B4B-28C0-47CB-FAF3-8A21AFE7F9FB}"/>
+                <a16:creationId xmlns:a16="http://schemas.microsoft.com/office/drawing/2014/main" id="{B2DDA799-2535-3651-6ABD-D9406C7D8580}"/>
               </a:ext>
             </a:extLst>
           </p:cNvPr>
@@ -1597,7 +1597,7 @@
           <p:cNvPr id="4" name="内容占位符 3">
             <a:extLst>
               <a:ext uri="{FF2B5EF4-FFF2-40B4-BE49-F238E27FC236}">
-                <a16:creationId xmlns:a16="http://schemas.microsoft.com/office/drawing/2014/main" id="{0C70B5A6-E8B3-6B53-2C27-16024FB013D4}"/>
+                <a16:creationId xmlns:a16="http://schemas.microsoft.com/office/drawing/2014/main" id="{FD9F3455-1790-007D-7523-93B5803A7B76}"/>
               </a:ext>
             </a:extLst>
           </p:cNvPr>
@@ -1659,7 +1659,7 @@
           <p:cNvPr id="5" name="文本占位符 4">
             <a:extLst>
               <a:ext uri="{FF2B5EF4-FFF2-40B4-BE49-F238E27FC236}">
-                <a16:creationId xmlns:a16="http://schemas.microsoft.com/office/drawing/2014/main" id="{14924A84-9D2A-0427-DB0C-7C15378C4696}"/>
+                <a16:creationId xmlns:a16="http://schemas.microsoft.com/office/drawing/2014/main" id="{E34C8E51-438B-7A94-148C-06C915DC55DD}"/>
               </a:ext>
             </a:extLst>
           </p:cNvPr>
@@ -1730,7 +1730,7 @@
           <p:cNvPr id="6" name="内容占位符 5">
             <a:extLst>
               <a:ext uri="{FF2B5EF4-FFF2-40B4-BE49-F238E27FC236}">
-                <a16:creationId xmlns:a16="http://schemas.microsoft.com/office/drawing/2014/main" id="{0FF4B808-FF72-E757-C0AD-8662D757C62E}"/>
+                <a16:creationId xmlns:a16="http://schemas.microsoft.com/office/drawing/2014/main" id="{14C9DDD9-6EEC-A7CA-90BF-9CB88AE762E0}"/>
               </a:ext>
             </a:extLst>
           </p:cNvPr>
@@ -1792,7 +1792,7 @@
           <p:cNvPr id="7" name="日期占位符 6">
             <a:extLst>
               <a:ext uri="{FF2B5EF4-FFF2-40B4-BE49-F238E27FC236}">
-                <a16:creationId xmlns:a16="http://schemas.microsoft.com/office/drawing/2014/main" id="{18961038-5952-4AA3-FD06-F68BA7D2E6B9}"/>
+                <a16:creationId xmlns:a16="http://schemas.microsoft.com/office/drawing/2014/main" id="{89833031-CC4B-6EB1-5658-F16225CE6184}"/>
               </a:ext>
             </a:extLst>
           </p:cNvPr>
@@ -1808,7 +1808,7 @@
           <a:bodyPr/>
           <a:lstStyle/>
           <a:p>
-            <a:fld id="{71BC3E1B-FE5F-443B-88DD-92EDC687FE96}" type="datetimeFigureOut">
+            <a:fld id="{DFDBF2D6-A10D-4E8E-B6F2-1B02B53543F7}" type="datetimeFigureOut">
               <a:rPr lang="zh-CN" altLang="en-US" smtClean="0"/>
               <a:t>2024/3/10</a:t>
             </a:fld>
@@ -1821,7 +1821,7 @@
           <p:cNvPr id="8" name="页脚占位符 7">
             <a:extLst>
               <a:ext uri="{FF2B5EF4-FFF2-40B4-BE49-F238E27FC236}">
-                <a16:creationId xmlns:a16="http://schemas.microsoft.com/office/drawing/2014/main" id="{6613F3DD-3DA9-5F4C-7C2F-B647C420CC5F}"/>
+                <a16:creationId xmlns:a16="http://schemas.microsoft.com/office/drawing/2014/main" id="{AFAE373F-0E3E-3E4D-D784-921A92F81FFF}"/>
               </a:ext>
             </a:extLst>
           </p:cNvPr>
@@ -1846,7 +1846,7 @@
           <p:cNvPr id="9" name="灯片编号占位符 8">
             <a:extLst>
               <a:ext uri="{FF2B5EF4-FFF2-40B4-BE49-F238E27FC236}">
-                <a16:creationId xmlns:a16="http://schemas.microsoft.com/office/drawing/2014/main" id="{1DFDBD70-8217-DBE6-B7DB-2A2D533E2D67}"/>
+                <a16:creationId xmlns:a16="http://schemas.microsoft.com/office/drawing/2014/main" id="{261F449C-B867-9986-EE48-08D0060A1B41}"/>
               </a:ext>
             </a:extLst>
           </p:cNvPr>
@@ -1862,7 +1862,7 @@
           <a:bodyPr/>
           <a:lstStyle/>
           <a:p>
-            <a:fld id="{A0C950BE-29B1-48C5-9A96-EB0EF73289CB}" type="slidenum">
+            <a:fld id="{E78F9990-2320-407F-AC9C-D9B52858AF66}" type="slidenum">
               <a:rPr lang="zh-CN" altLang="en-US" smtClean="0"/>
               <a:t>‹#›</a:t>
             </a:fld>
@@ -1873,7 +1873,7 @@
     </p:spTree>
     <p:extLst>
       <p:ext uri="{BB962C8B-B14F-4D97-AF65-F5344CB8AC3E}">
-        <p14:creationId xmlns:p14="http://schemas.microsoft.com/office/powerpoint/2010/main" val="734543973"/>
+        <p14:creationId xmlns:p14="http://schemas.microsoft.com/office/powerpoint/2010/main" val="408995232"/>
       </p:ext>
     </p:extLst>
   </p:cSld>
@@ -1905,7 +1905,7 @@
           <p:cNvPr id="2" name="标题 1">
             <a:extLst>
               <a:ext uri="{FF2B5EF4-FFF2-40B4-BE49-F238E27FC236}">
-                <a16:creationId xmlns:a16="http://schemas.microsoft.com/office/drawing/2014/main" id="{DD604963-2CF1-FE77-5E7D-82C95E77AB96}"/>
+                <a16:creationId xmlns:a16="http://schemas.microsoft.com/office/drawing/2014/main" id="{8F9F4492-06FB-66D3-2D4A-3AB08C422B76}"/>
               </a:ext>
             </a:extLst>
           </p:cNvPr>
@@ -1933,7 +1933,7 @@
           <p:cNvPr id="3" name="日期占位符 2">
             <a:extLst>
               <a:ext uri="{FF2B5EF4-FFF2-40B4-BE49-F238E27FC236}">
-                <a16:creationId xmlns:a16="http://schemas.microsoft.com/office/drawing/2014/main" id="{DC340E83-C9C7-57CD-75C9-956E42151B61}"/>
+                <a16:creationId xmlns:a16="http://schemas.microsoft.com/office/drawing/2014/main" id="{3ACA7FB5-3F76-908D-294E-12CE4F25ABFC}"/>
               </a:ext>
             </a:extLst>
           </p:cNvPr>
@@ -1949,7 +1949,7 @@
           <a:bodyPr/>
           <a:lstStyle/>
           <a:p>
-            <a:fld id="{71BC3E1B-FE5F-443B-88DD-92EDC687FE96}" type="datetimeFigureOut">
+            <a:fld id="{DFDBF2D6-A10D-4E8E-B6F2-1B02B53543F7}" type="datetimeFigureOut">
               <a:rPr lang="zh-CN" altLang="en-US" smtClean="0"/>
               <a:t>2024/3/10</a:t>
             </a:fld>
@@ -1962,7 +1962,7 @@
           <p:cNvPr id="4" name="页脚占位符 3">
             <a:extLst>
               <a:ext uri="{FF2B5EF4-FFF2-40B4-BE49-F238E27FC236}">
-                <a16:creationId xmlns:a16="http://schemas.microsoft.com/office/drawing/2014/main" id="{8FFAF1FB-7570-A328-73CA-49B49581845A}"/>
+                <a16:creationId xmlns:a16="http://schemas.microsoft.com/office/drawing/2014/main" id="{0B81A032-BF3B-C9A5-CEF1-F0A22557156D}"/>
               </a:ext>
             </a:extLst>
           </p:cNvPr>
@@ -1987,7 +1987,7 @@
           <p:cNvPr id="5" name="灯片编号占位符 4">
             <a:extLst>
               <a:ext uri="{FF2B5EF4-FFF2-40B4-BE49-F238E27FC236}">
-                <a16:creationId xmlns:a16="http://schemas.microsoft.com/office/drawing/2014/main" id="{32F66642-CA46-DDAA-2442-3A7B7AE9664D}"/>
+                <a16:creationId xmlns:a16="http://schemas.microsoft.com/office/drawing/2014/main" id="{4DAF727C-FA1A-75C1-5370-6E87AF732F56}"/>
               </a:ext>
             </a:extLst>
           </p:cNvPr>
@@ -2003,7 +2003,7 @@
           <a:bodyPr/>
           <a:lstStyle/>
           <a:p>
-            <a:fld id="{A0C950BE-29B1-48C5-9A96-EB0EF73289CB}" type="slidenum">
+            <a:fld id="{E78F9990-2320-407F-AC9C-D9B52858AF66}" type="slidenum">
               <a:rPr lang="zh-CN" altLang="en-US" smtClean="0"/>
               <a:t>‹#›</a:t>
             </a:fld>
@@ -2014,7 +2014,7 @@
     </p:spTree>
     <p:extLst>
       <p:ext uri="{BB962C8B-B14F-4D97-AF65-F5344CB8AC3E}">
-        <p14:creationId xmlns:p14="http://schemas.microsoft.com/office/powerpoint/2010/main" val="384120461"/>
+        <p14:creationId xmlns:p14="http://schemas.microsoft.com/office/powerpoint/2010/main" val="3687729059"/>
       </p:ext>
     </p:extLst>
   </p:cSld>
@@ -2046,7 +2046,7 @@
           <p:cNvPr id="2" name="日期占位符 1">
             <a:extLst>
               <a:ext uri="{FF2B5EF4-FFF2-40B4-BE49-F238E27FC236}">
-                <a16:creationId xmlns:a16="http://schemas.microsoft.com/office/drawing/2014/main" id="{18438156-66B0-BBDF-28AA-E86196ABCCB1}"/>
+                <a16:creationId xmlns:a16="http://schemas.microsoft.com/office/drawing/2014/main" id="{97CF48FA-EBC8-A89F-1A67-DBC2EECADAE9}"/>
               </a:ext>
             </a:extLst>
           </p:cNvPr>
@@ -2062,7 +2062,7 @@
           <a:bodyPr/>
           <a:lstStyle/>
           <a:p>
-            <a:fld id="{71BC3E1B-FE5F-443B-88DD-92EDC687FE96}" type="datetimeFigureOut">
+            <a:fld id="{DFDBF2D6-A10D-4E8E-B6F2-1B02B53543F7}" type="datetimeFigureOut">
               <a:rPr lang="zh-CN" altLang="en-US" smtClean="0"/>
               <a:t>2024/3/10</a:t>
             </a:fld>
@@ -2075,7 +2075,7 @@
           <p:cNvPr id="3" name="页脚占位符 2">
             <a:extLst>
               <a:ext uri="{FF2B5EF4-FFF2-40B4-BE49-F238E27FC236}">
-                <a16:creationId xmlns:a16="http://schemas.microsoft.com/office/drawing/2014/main" id="{31001854-2ED5-9843-F370-76A8FADD6752}"/>
+                <a16:creationId xmlns:a16="http://schemas.microsoft.com/office/drawing/2014/main" id="{BF963791-09F7-DC80-E35C-FF3962ED8E56}"/>
               </a:ext>
             </a:extLst>
           </p:cNvPr>
@@ -2100,7 +2100,7 @@
           <p:cNvPr id="4" name="灯片编号占位符 3">
             <a:extLst>
               <a:ext uri="{FF2B5EF4-FFF2-40B4-BE49-F238E27FC236}">
-                <a16:creationId xmlns:a16="http://schemas.microsoft.com/office/drawing/2014/main" id="{D3948D4F-B74C-4B48-A092-000BA581D17C}"/>
+                <a16:creationId xmlns:a16="http://schemas.microsoft.com/office/drawing/2014/main" id="{85442931-7A96-52E1-C9EA-F039F18519C7}"/>
               </a:ext>
             </a:extLst>
           </p:cNvPr>
@@ -2116,7 +2116,7 @@
           <a:bodyPr/>
           <a:lstStyle/>
           <a:p>
-            <a:fld id="{A0C950BE-29B1-48C5-9A96-EB0EF73289CB}" type="slidenum">
+            <a:fld id="{E78F9990-2320-407F-AC9C-D9B52858AF66}" type="slidenum">
               <a:rPr lang="zh-CN" altLang="en-US" smtClean="0"/>
               <a:t>‹#›</a:t>
             </a:fld>
@@ -2127,7 +2127,7 @@
     </p:spTree>
     <p:extLst>
       <p:ext uri="{BB962C8B-B14F-4D97-AF65-F5344CB8AC3E}">
-        <p14:creationId xmlns:p14="http://schemas.microsoft.com/office/powerpoint/2010/main" val="702993252"/>
+        <p14:creationId xmlns:p14="http://schemas.microsoft.com/office/powerpoint/2010/main" val="4045234664"/>
       </p:ext>
     </p:extLst>
   </p:cSld>
@@ -2159,7 +2159,7 @@
           <p:cNvPr id="2" name="标题 1">
             <a:extLst>
               <a:ext uri="{FF2B5EF4-FFF2-40B4-BE49-F238E27FC236}">
-                <a16:creationId xmlns:a16="http://schemas.microsoft.com/office/drawing/2014/main" id="{8F129C82-D30B-CD44-726C-E9849B87758F}"/>
+                <a16:creationId xmlns:a16="http://schemas.microsoft.com/office/drawing/2014/main" id="{12A476FB-561B-80C6-FA0C-AD297AC6553B}"/>
               </a:ext>
             </a:extLst>
           </p:cNvPr>
@@ -2196,7 +2196,7 @@
           <p:cNvPr id="3" name="内容占位符 2">
             <a:extLst>
               <a:ext uri="{FF2B5EF4-FFF2-40B4-BE49-F238E27FC236}">
-                <a16:creationId xmlns:a16="http://schemas.microsoft.com/office/drawing/2014/main" id="{0ADF242B-353C-129F-7F50-97ADB42CB79F}"/>
+                <a16:creationId xmlns:a16="http://schemas.microsoft.com/office/drawing/2014/main" id="{2BE847B7-B508-E5D7-5DF4-05282AE34B13}"/>
               </a:ext>
             </a:extLst>
           </p:cNvPr>
@@ -2286,7 +2286,7 @@
           <p:cNvPr id="4" name="文本占位符 3">
             <a:extLst>
               <a:ext uri="{FF2B5EF4-FFF2-40B4-BE49-F238E27FC236}">
-                <a16:creationId xmlns:a16="http://schemas.microsoft.com/office/drawing/2014/main" id="{8A02650D-4CA0-A9B0-FE5C-441796399D75}"/>
+                <a16:creationId xmlns:a16="http://schemas.microsoft.com/office/drawing/2014/main" id="{5B88F903-0D3C-F780-85F0-EDC81A7C9FA9}"/>
               </a:ext>
             </a:extLst>
           </p:cNvPr>
@@ -2357,7 +2357,7 @@
           <p:cNvPr id="5" name="日期占位符 4">
             <a:extLst>
               <a:ext uri="{FF2B5EF4-FFF2-40B4-BE49-F238E27FC236}">
-                <a16:creationId xmlns:a16="http://schemas.microsoft.com/office/drawing/2014/main" id="{09E3003C-A82D-FABB-0DCA-28DD1A68E50D}"/>
+                <a16:creationId xmlns:a16="http://schemas.microsoft.com/office/drawing/2014/main" id="{A4F52C37-B20C-764A-D00E-730A3BEFDBB0}"/>
               </a:ext>
             </a:extLst>
           </p:cNvPr>
@@ -2373,7 +2373,7 @@
           <a:bodyPr/>
           <a:lstStyle/>
           <a:p>
-            <a:fld id="{71BC3E1B-FE5F-443B-88DD-92EDC687FE96}" type="datetimeFigureOut">
+            <a:fld id="{DFDBF2D6-A10D-4E8E-B6F2-1B02B53543F7}" type="datetimeFigureOut">
               <a:rPr lang="zh-CN" altLang="en-US" smtClean="0"/>
               <a:t>2024/3/10</a:t>
             </a:fld>
@@ -2386,7 +2386,7 @@
           <p:cNvPr id="6" name="页脚占位符 5">
             <a:extLst>
               <a:ext uri="{FF2B5EF4-FFF2-40B4-BE49-F238E27FC236}">
-                <a16:creationId xmlns:a16="http://schemas.microsoft.com/office/drawing/2014/main" id="{005CDC4A-6F8C-E675-BFAB-C5F1CE21E71F}"/>
+                <a16:creationId xmlns:a16="http://schemas.microsoft.com/office/drawing/2014/main" id="{39FA6849-41B3-7D23-45D0-4FD38ED9052D}"/>
               </a:ext>
             </a:extLst>
           </p:cNvPr>
@@ -2411,7 +2411,7 @@
           <p:cNvPr id="7" name="灯片编号占位符 6">
             <a:extLst>
               <a:ext uri="{FF2B5EF4-FFF2-40B4-BE49-F238E27FC236}">
-                <a16:creationId xmlns:a16="http://schemas.microsoft.com/office/drawing/2014/main" id="{DBD7D94B-BA71-0D40-4AF7-C0A787E73A13}"/>
+                <a16:creationId xmlns:a16="http://schemas.microsoft.com/office/drawing/2014/main" id="{F1CE21D2-5479-B7B8-2E21-577DA284D13D}"/>
               </a:ext>
             </a:extLst>
           </p:cNvPr>
@@ -2427,7 +2427,7 @@
           <a:bodyPr/>
           <a:lstStyle/>
           <a:p>
-            <a:fld id="{A0C950BE-29B1-48C5-9A96-EB0EF73289CB}" type="slidenum">
+            <a:fld id="{E78F9990-2320-407F-AC9C-D9B52858AF66}" type="slidenum">
               <a:rPr lang="zh-CN" altLang="en-US" smtClean="0"/>
               <a:t>‹#›</a:t>
             </a:fld>
@@ -2438,7 +2438,7 @@
     </p:spTree>
     <p:extLst>
       <p:ext uri="{BB962C8B-B14F-4D97-AF65-F5344CB8AC3E}">
-        <p14:creationId xmlns:p14="http://schemas.microsoft.com/office/powerpoint/2010/main" val="612565669"/>
+        <p14:creationId xmlns:p14="http://schemas.microsoft.com/office/powerpoint/2010/main" val="2974742823"/>
       </p:ext>
     </p:extLst>
   </p:cSld>
@@ -2470,7 +2470,7 @@
           <p:cNvPr id="2" name="标题 1">
             <a:extLst>
               <a:ext uri="{FF2B5EF4-FFF2-40B4-BE49-F238E27FC236}">
-                <a16:creationId xmlns:a16="http://schemas.microsoft.com/office/drawing/2014/main" id="{5182BDF4-93C9-3BAE-F73F-4AB4270E6367}"/>
+                <a16:creationId xmlns:a16="http://schemas.microsoft.com/office/drawing/2014/main" id="{6C6A54DF-72CE-324B-7C9E-060DBC4B727E}"/>
               </a:ext>
             </a:extLst>
           </p:cNvPr>
@@ -2507,7 +2507,7 @@
           <p:cNvPr id="3" name="图片占位符 2">
             <a:extLst>
               <a:ext uri="{FF2B5EF4-FFF2-40B4-BE49-F238E27FC236}">
-                <a16:creationId xmlns:a16="http://schemas.microsoft.com/office/drawing/2014/main" id="{71253B9C-15FE-5F59-538A-EA983B086FFB}"/>
+                <a16:creationId xmlns:a16="http://schemas.microsoft.com/office/drawing/2014/main" id="{7129BD41-3184-998D-6963-543E38D64C4F}"/>
               </a:ext>
             </a:extLst>
           </p:cNvPr>
@@ -2574,7 +2574,7 @@
           <p:cNvPr id="4" name="文本占位符 3">
             <a:extLst>
               <a:ext uri="{FF2B5EF4-FFF2-40B4-BE49-F238E27FC236}">
-                <a16:creationId xmlns:a16="http://schemas.microsoft.com/office/drawing/2014/main" id="{69EBBA2C-4359-62D5-2EEA-DB228EE5D1FF}"/>
+                <a16:creationId xmlns:a16="http://schemas.microsoft.com/office/drawing/2014/main" id="{48BAC3D7-E432-F30E-A4C0-165645004ACD}"/>
               </a:ext>
             </a:extLst>
           </p:cNvPr>
@@ -2645,7 +2645,7 @@
           <p:cNvPr id="5" name="日期占位符 4">
             <a:extLst>
               <a:ext uri="{FF2B5EF4-FFF2-40B4-BE49-F238E27FC236}">
-                <a16:creationId xmlns:a16="http://schemas.microsoft.com/office/drawing/2014/main" id="{BE9B14C2-8224-4366-6BF4-91282B5AADF7}"/>
+                <a16:creationId xmlns:a16="http://schemas.microsoft.com/office/drawing/2014/main" id="{002EE84E-EC83-17A1-4DB0-AADA027590A4}"/>
               </a:ext>
             </a:extLst>
           </p:cNvPr>
@@ -2661,7 +2661,7 @@
           <a:bodyPr/>
           <a:lstStyle/>
           <a:p>
-            <a:fld id="{71BC3E1B-FE5F-443B-88DD-92EDC687FE96}" type="datetimeFigureOut">
+            <a:fld id="{DFDBF2D6-A10D-4E8E-B6F2-1B02B53543F7}" type="datetimeFigureOut">
               <a:rPr lang="zh-CN" altLang="en-US" smtClean="0"/>
               <a:t>2024/3/10</a:t>
             </a:fld>
@@ -2674,7 +2674,7 @@
           <p:cNvPr id="6" name="页脚占位符 5">
             <a:extLst>
               <a:ext uri="{FF2B5EF4-FFF2-40B4-BE49-F238E27FC236}">
-                <a16:creationId xmlns:a16="http://schemas.microsoft.com/office/drawing/2014/main" id="{85AB376E-71CD-EC57-2D50-FA27CD3D8D5F}"/>
+                <a16:creationId xmlns:a16="http://schemas.microsoft.com/office/drawing/2014/main" id="{097C4852-3441-0436-A4E6-B4E0EF865335}"/>
               </a:ext>
             </a:extLst>
           </p:cNvPr>
@@ -2699,7 +2699,7 @@
           <p:cNvPr id="7" name="灯片编号占位符 6">
             <a:extLst>
               <a:ext uri="{FF2B5EF4-FFF2-40B4-BE49-F238E27FC236}">
-                <a16:creationId xmlns:a16="http://schemas.microsoft.com/office/drawing/2014/main" id="{91807459-6E26-F744-C848-150E935B65A6}"/>
+                <a16:creationId xmlns:a16="http://schemas.microsoft.com/office/drawing/2014/main" id="{831688E8-0212-817F-E482-9D39A6BF1E05}"/>
               </a:ext>
             </a:extLst>
           </p:cNvPr>
@@ -2715,7 +2715,7 @@
           <a:bodyPr/>
           <a:lstStyle/>
           <a:p>
-            <a:fld id="{A0C950BE-29B1-48C5-9A96-EB0EF73289CB}" type="slidenum">
+            <a:fld id="{E78F9990-2320-407F-AC9C-D9B52858AF66}" type="slidenum">
               <a:rPr lang="zh-CN" altLang="en-US" smtClean="0"/>
               <a:t>‹#›</a:t>
             </a:fld>
@@ -2726,7 +2726,7 @@
     </p:spTree>
     <p:extLst>
       <p:ext uri="{BB962C8B-B14F-4D97-AF65-F5344CB8AC3E}">
-        <p14:creationId xmlns:p14="http://schemas.microsoft.com/office/powerpoint/2010/main" val="1783811683"/>
+        <p14:creationId xmlns:p14="http://schemas.microsoft.com/office/powerpoint/2010/main" val="3137959787"/>
       </p:ext>
     </p:extLst>
   </p:cSld>
@@ -2763,7 +2763,7 @@
           <p:cNvPr id="2" name="标题占位符 1">
             <a:extLst>
               <a:ext uri="{FF2B5EF4-FFF2-40B4-BE49-F238E27FC236}">
-                <a16:creationId xmlns:a16="http://schemas.microsoft.com/office/drawing/2014/main" id="{42124414-01EB-7D12-4961-AC0A5132B118}"/>
+                <a16:creationId xmlns:a16="http://schemas.microsoft.com/office/drawing/2014/main" id="{7D057B9C-ABDF-2010-7041-EAE6AA6F3157}"/>
               </a:ext>
             </a:extLst>
           </p:cNvPr>
@@ -2801,7 +2801,7 @@
           <p:cNvPr id="3" name="文本占位符 2">
             <a:extLst>
               <a:ext uri="{FF2B5EF4-FFF2-40B4-BE49-F238E27FC236}">
-                <a16:creationId xmlns:a16="http://schemas.microsoft.com/office/drawing/2014/main" id="{1F03BD5C-F39A-EC70-8E47-ECB77B493F39}"/>
+                <a16:creationId xmlns:a16="http://schemas.microsoft.com/office/drawing/2014/main" id="{C6DF4719-EB0E-8898-E32D-6A3D1C9FF0D9}"/>
               </a:ext>
             </a:extLst>
           </p:cNvPr>
@@ -2868,7 +2868,7 @@
           <p:cNvPr id="4" name="日期占位符 3">
             <a:extLst>
               <a:ext uri="{FF2B5EF4-FFF2-40B4-BE49-F238E27FC236}">
-                <a16:creationId xmlns:a16="http://schemas.microsoft.com/office/drawing/2014/main" id="{ECFC0C96-DA81-3287-3424-9972B1289E95}"/>
+                <a16:creationId xmlns:a16="http://schemas.microsoft.com/office/drawing/2014/main" id="{189498A7-56B2-C83D-E516-F05B64C64C49}"/>
               </a:ext>
             </a:extLst>
           </p:cNvPr>
@@ -2902,7 +2902,7 @@
             </a:lvl1pPr>
           </a:lstStyle>
           <a:p>
-            <a:fld id="{71BC3E1B-FE5F-443B-88DD-92EDC687FE96}" type="datetimeFigureOut">
+            <a:fld id="{DFDBF2D6-A10D-4E8E-B6F2-1B02B53543F7}" type="datetimeFigureOut">
               <a:rPr lang="zh-CN" altLang="en-US" smtClean="0"/>
               <a:t>2024/3/10</a:t>
             </a:fld>
@@ -2915,7 +2915,7 @@
           <p:cNvPr id="5" name="页脚占位符 4">
             <a:extLst>
               <a:ext uri="{FF2B5EF4-FFF2-40B4-BE49-F238E27FC236}">
-                <a16:creationId xmlns:a16="http://schemas.microsoft.com/office/drawing/2014/main" id="{7EDA5DD9-90D2-E94F-CAAC-96504D30C7BE}"/>
+                <a16:creationId xmlns:a16="http://schemas.microsoft.com/office/drawing/2014/main" id="{C926AC66-0C79-B2D0-6FD5-E27F2932CC91}"/>
               </a:ext>
             </a:extLst>
           </p:cNvPr>
@@ -2958,7 +2958,7 @@
           <p:cNvPr id="6" name="灯片编号占位符 5">
             <a:extLst>
               <a:ext uri="{FF2B5EF4-FFF2-40B4-BE49-F238E27FC236}">
-                <a16:creationId xmlns:a16="http://schemas.microsoft.com/office/drawing/2014/main" id="{B564F96A-DFCF-1446-8C58-0F6A5731A01E}"/>
+                <a16:creationId xmlns:a16="http://schemas.microsoft.com/office/drawing/2014/main" id="{2B04D042-538E-EB52-5A5C-5DA92355B662}"/>
               </a:ext>
             </a:extLst>
           </p:cNvPr>
@@ -2992,7 +2992,7 @@
             </a:lvl1pPr>
           </a:lstStyle>
           <a:p>
-            <a:fld id="{A0C950BE-29B1-48C5-9A96-EB0EF73289CB}" type="slidenum">
+            <a:fld id="{E78F9990-2320-407F-AC9C-D9B52858AF66}" type="slidenum">
               <a:rPr lang="zh-CN" altLang="en-US" smtClean="0"/>
               <a:t>‹#›</a:t>
             </a:fld>
@@ -3003,7 +3003,7 @@
     </p:spTree>
     <p:extLst>
       <p:ext uri="{BB962C8B-B14F-4D97-AF65-F5344CB8AC3E}">
-        <p14:creationId xmlns:p14="http://schemas.microsoft.com/office/powerpoint/2010/main" val="2488645222"/>
+        <p14:creationId xmlns:p14="http://schemas.microsoft.com/office/powerpoint/2010/main" val="3818211765"/>
       </p:ext>
     </p:extLst>
   </p:cSld>
@@ -3323,7 +3323,7 @@
       </p:grpSpPr>
       <p:pic>
         <p:nvPicPr>
-          <p:cNvPr id="1263618" name="Picture 2" descr="1233"/>
+          <p:cNvPr id="1264642" name="Picture 2" descr="1234"/>
           <p:cNvPicPr>
             <a:picLocks noChangeAspect="1" noChangeArrowheads="1"/>
           </p:cNvPicPr>
